--- a/JavaTutorial.pptx
+++ b/JavaTutorial.pptx
@@ -42,7 +42,12 @@
     <p:sldId id="298" r:id="rId36"/>
     <p:sldId id="301" r:id="rId37"/>
     <p:sldId id="300" r:id="rId38"/>
-    <p:sldId id="293" r:id="rId39"/>
+    <p:sldId id="302" r:id="rId39"/>
+    <p:sldId id="303" r:id="rId40"/>
+    <p:sldId id="304" r:id="rId41"/>
+    <p:sldId id="305" r:id="rId42"/>
+    <p:sldId id="306" r:id="rId43"/>
+    <p:sldId id="307" r:id="rId44"/>
   </p:sldIdLst>
   <p:sldSz cx="9144000" cy="6858000" type="screen4x3"/>
   <p:notesSz cx="6858000" cy="9144000"/>
@@ -326,7 +331,7 @@
             <a:fld id="{E6FBCA8F-282C-44A4-8D86-6B4C097FA1F7}" type="datetimeFigureOut">
               <a:rPr lang="en-IN" smtClean="0"/>
               <a:pPr/>
-              <a:t>21-01-2018</a:t>
+              <a:t>22-01-2018</a:t>
             </a:fld>
             <a:endParaRPr lang="en-IN" dirty="0"/>
           </a:p>
@@ -493,7 +498,7 @@
             <a:fld id="{E6FBCA8F-282C-44A4-8D86-6B4C097FA1F7}" type="datetimeFigureOut">
               <a:rPr lang="en-IN" smtClean="0"/>
               <a:pPr/>
-              <a:t>21-01-2018</a:t>
+              <a:t>22-01-2018</a:t>
             </a:fld>
             <a:endParaRPr lang="en-IN" dirty="0"/>
           </a:p>
@@ -670,7 +675,7 @@
             <a:fld id="{E6FBCA8F-282C-44A4-8D86-6B4C097FA1F7}" type="datetimeFigureOut">
               <a:rPr lang="en-IN" smtClean="0"/>
               <a:pPr/>
-              <a:t>21-01-2018</a:t>
+              <a:t>22-01-2018</a:t>
             </a:fld>
             <a:endParaRPr lang="en-IN" dirty="0"/>
           </a:p>
@@ -837,7 +842,7 @@
             <a:fld id="{E6FBCA8F-282C-44A4-8D86-6B4C097FA1F7}" type="datetimeFigureOut">
               <a:rPr lang="en-IN" smtClean="0"/>
               <a:pPr/>
-              <a:t>21-01-2018</a:t>
+              <a:t>22-01-2018</a:t>
             </a:fld>
             <a:endParaRPr lang="en-IN" dirty="0"/>
           </a:p>
@@ -1080,7 +1085,7 @@
             <a:fld id="{E6FBCA8F-282C-44A4-8D86-6B4C097FA1F7}" type="datetimeFigureOut">
               <a:rPr lang="en-IN" smtClean="0"/>
               <a:pPr/>
-              <a:t>21-01-2018</a:t>
+              <a:t>22-01-2018</a:t>
             </a:fld>
             <a:endParaRPr lang="en-IN" dirty="0"/>
           </a:p>
@@ -1365,7 +1370,7 @@
             <a:fld id="{E6FBCA8F-282C-44A4-8D86-6B4C097FA1F7}" type="datetimeFigureOut">
               <a:rPr lang="en-IN" smtClean="0"/>
               <a:pPr/>
-              <a:t>21-01-2018</a:t>
+              <a:t>22-01-2018</a:t>
             </a:fld>
             <a:endParaRPr lang="en-IN" dirty="0"/>
           </a:p>
@@ -1784,7 +1789,7 @@
             <a:fld id="{E6FBCA8F-282C-44A4-8D86-6B4C097FA1F7}" type="datetimeFigureOut">
               <a:rPr lang="en-IN" smtClean="0"/>
               <a:pPr/>
-              <a:t>21-01-2018</a:t>
+              <a:t>22-01-2018</a:t>
             </a:fld>
             <a:endParaRPr lang="en-IN" dirty="0"/>
           </a:p>
@@ -1899,7 +1904,7 @@
             <a:fld id="{E6FBCA8F-282C-44A4-8D86-6B4C097FA1F7}" type="datetimeFigureOut">
               <a:rPr lang="en-IN" smtClean="0"/>
               <a:pPr/>
-              <a:t>21-01-2018</a:t>
+              <a:t>22-01-2018</a:t>
             </a:fld>
             <a:endParaRPr lang="en-IN" dirty="0"/>
           </a:p>
@@ -1991,7 +1996,7 @@
             <a:fld id="{E6FBCA8F-282C-44A4-8D86-6B4C097FA1F7}" type="datetimeFigureOut">
               <a:rPr lang="en-IN" smtClean="0"/>
               <a:pPr/>
-              <a:t>21-01-2018</a:t>
+              <a:t>22-01-2018</a:t>
             </a:fld>
             <a:endParaRPr lang="en-IN" dirty="0"/>
           </a:p>
@@ -2265,7 +2270,7 @@
             <a:fld id="{E6FBCA8F-282C-44A4-8D86-6B4C097FA1F7}" type="datetimeFigureOut">
               <a:rPr lang="en-IN" smtClean="0"/>
               <a:pPr/>
-              <a:t>21-01-2018</a:t>
+              <a:t>22-01-2018</a:t>
             </a:fld>
             <a:endParaRPr lang="en-IN" dirty="0"/>
           </a:p>
@@ -2515,7 +2520,7 @@
             <a:fld id="{E6FBCA8F-282C-44A4-8D86-6B4C097FA1F7}" type="datetimeFigureOut">
               <a:rPr lang="en-IN" smtClean="0"/>
               <a:pPr/>
-              <a:t>21-01-2018</a:t>
+              <a:t>22-01-2018</a:t>
             </a:fld>
             <a:endParaRPr lang="en-IN" dirty="0"/>
           </a:p>
@@ -2725,7 +2730,7 @@
             <a:fld id="{E6FBCA8F-282C-44A4-8D86-6B4C097FA1F7}" type="datetimeFigureOut">
               <a:rPr lang="en-IN" smtClean="0"/>
               <a:pPr/>
-              <a:t>21-01-2018</a:t>
+              <a:t>22-01-2018</a:t>
             </a:fld>
             <a:endParaRPr lang="en-IN" dirty="0"/>
           </a:p>
@@ -10311,27 +10316,7 @@
             </a:r>
             <a:r>
               <a:rPr lang="en-IN" dirty="0" smtClean="0"/>
-              <a:t> </a:t>
-            </a:r>
-            <a:r>
-              <a:rPr lang="en-IN" dirty="0" smtClean="0"/>
-              <a:t>in java is </a:t>
-            </a:r>
-            <a:r>
-              <a:rPr lang="en-IN" dirty="0" smtClean="0"/>
-              <a:t>used to iterate </a:t>
-            </a:r>
-            <a:r>
-              <a:rPr lang="en-IN" dirty="0" smtClean="0"/>
-              <a:t>any set of statements </a:t>
-            </a:r>
-            <a:r>
-              <a:rPr lang="en-IN" dirty="0" smtClean="0"/>
-              <a:t>several times. </a:t>
-            </a:r>
-            <a:r>
-              <a:rPr lang="en-IN" dirty="0" smtClean="0"/>
-              <a:t> The below are the different loops available in java. </a:t>
+              <a:t> in java is used to iterate any set of statements several times.  The below are the different loops available in java. </a:t>
             </a:r>
           </a:p>
           <a:p>
@@ -10530,15 +10515,7 @@
           <a:p>
             <a:r>
               <a:rPr lang="en-IN" sz="3200" dirty="0" smtClean="0"/>
-              <a:t>If the number of </a:t>
-            </a:r>
-            <a:r>
-              <a:rPr lang="en-IN" sz="3200" dirty="0" smtClean="0"/>
-              <a:t>iterations are </a:t>
-            </a:r>
-            <a:r>
-              <a:rPr lang="en-IN" sz="3200" dirty="0" smtClean="0"/>
-              <a:t>fixed, it is recommended to use for loop.</a:t>
+              <a:t>If the number of iterations are fixed, it is recommended to use for loop.</a:t>
             </a:r>
           </a:p>
           <a:p>
@@ -10551,11 +10528,7 @@
             <a:pPr lvl="1"/>
             <a:r>
               <a:rPr lang="en-IN" sz="3200" dirty="0" smtClean="0"/>
-              <a:t>For </a:t>
-            </a:r>
-            <a:r>
-              <a:rPr lang="en-IN" sz="3200" dirty="0" smtClean="0"/>
-              <a:t>Loop</a:t>
+              <a:t>For Loop</a:t>
             </a:r>
           </a:p>
           <a:p>
@@ -10973,49 +10946,8 @@
             </a:r>
             <a:r>
               <a:rPr lang="en-IN" dirty="0" smtClean="0"/>
-              <a:t> is a keyword used to exit from the loop or </a:t>
-            </a:r>
-            <a:r>
-              <a:rPr lang="en-IN" dirty="0" smtClean="0"/>
-              <a:t>switch </a:t>
-            </a:r>
-            <a:r>
-              <a:rPr lang="en-IN" dirty="0" smtClean="0"/>
-              <a:t>statement. </a:t>
-            </a:r>
-            <a:r>
-              <a:rPr lang="en-IN" dirty="0" smtClean="0"/>
-              <a:t>It breaks the </a:t>
-            </a:r>
-            <a:r>
-              <a:rPr lang="en-IN" dirty="0" smtClean="0"/>
-              <a:t>flow </a:t>
-            </a:r>
-            <a:r>
-              <a:rPr lang="en-IN" dirty="0" smtClean="0"/>
-              <a:t>of the </a:t>
-            </a:r>
-            <a:r>
-              <a:rPr lang="en-IN" dirty="0" smtClean="0"/>
-              <a:t>program. </a:t>
-            </a:r>
-            <a:r>
-              <a:rPr lang="en-IN" dirty="0" smtClean="0"/>
-              <a:t>In case of </a:t>
-            </a:r>
-            <a:r>
-              <a:rPr lang="en-IN" dirty="0" smtClean="0"/>
-              <a:t>nested </a:t>
-            </a:r>
-            <a:r>
-              <a:rPr lang="en-IN" dirty="0" smtClean="0"/>
-              <a:t>loop, it breaks only inner loop</a:t>
-            </a:r>
-            <a:r>
-              <a:rPr lang="en-IN" dirty="0" smtClean="0"/>
-              <a:t>.</a:t>
-            </a:r>
-            <a:endParaRPr lang="en-IN" dirty="0" smtClean="0"/>
+              <a:t> is a keyword used to exit from the loop or switch statement. It breaks the flow of the program. In case of nested loop, it breaks only inner loop.</a:t>
+            </a:r>
           </a:p>
         </p:txBody>
       </p:sp>
@@ -11120,13 +11052,8 @@
             </a:pPr>
             <a:r>
               <a:rPr lang="en-IN" dirty="0" smtClean="0"/>
-              <a:t>	</a:t>
-            </a:r>
-            <a:r>
-              <a:rPr lang="en-IN" dirty="0" smtClean="0"/>
-              <a:t>continue;</a:t>
-            </a:r>
-            <a:endParaRPr lang="en-IN" dirty="0" smtClean="0"/>
+              <a:t>	continue;</a:t>
+            </a:r>
           </a:p>
           <a:p>
             <a:pPr lvl="1">
@@ -11261,7 +11188,6 @@
               <a:rPr lang="en-IN" dirty="0" smtClean="0"/>
               <a:t>In Java continue is a keyword used to skip from the step and continue the loop</a:t>
             </a:r>
-            <a:endParaRPr lang="en-IN" dirty="0" smtClean="0"/>
           </a:p>
         </p:txBody>
       </p:sp>
@@ -11305,7 +11231,15 @@
           <a:bodyPr/>
           <a:lstStyle/>
           <a:p>
-            <a:endParaRPr lang="en-IN"/>
+            <a:r>
+              <a:rPr lang="en-IN" dirty="0" err="1" smtClean="0"/>
+              <a:t>Labeled</a:t>
+            </a:r>
+            <a:r>
+              <a:rPr lang="en-IN" dirty="0" smtClean="0"/>
+              <a:t> For Loop</a:t>
+            </a:r>
+            <a:endParaRPr lang="en-IN" dirty="0"/>
           </a:p>
         </p:txBody>
       </p:sp>
@@ -11319,12 +11253,207 @@
             <p:ph idx="1"/>
           </p:nvPr>
         </p:nvSpPr>
-        <p:spPr/>
-        <p:txBody>
-          <a:bodyPr/>
+        <p:spPr>
+          <a:xfrm>
+            <a:off x="251520" y="1556792"/>
+            <a:ext cx="4392488" cy="4925143"/>
+          </a:xfrm>
+        </p:spPr>
+        <p:txBody>
+          <a:bodyPr>
+            <a:normAutofit/>
+          </a:bodyPr>
           <a:lstStyle/>
           <a:p>
-            <a:endParaRPr lang="en-IN"/>
+            <a:r>
+              <a:rPr lang="en-IN" sz="2400" dirty="0" smtClean="0"/>
+              <a:t>We can have name of each for loop. To do so, we use label before the for loop. It is useful if we have nested for loop so that we can break/continue specific for loop.</a:t>
+            </a:r>
+          </a:p>
+          <a:p>
+            <a:r>
+              <a:rPr lang="en-IN" sz="2400" dirty="0" smtClean="0"/>
+              <a:t>Normally, break and continue keywords breaks/continues the inner most for loop only.</a:t>
+            </a:r>
+          </a:p>
+          <a:p>
+            <a:pPr>
+              <a:buNone/>
+            </a:pPr>
+            <a:endParaRPr lang="en-IN" sz="2400" dirty="0"/>
+          </a:p>
+        </p:txBody>
+      </p:sp>
+      <p:sp>
+        <p:nvSpPr>
+          <p:cNvPr id="4" name="Rectangle 3"/>
+          <p:cNvSpPr/>
+          <p:nvPr/>
+        </p:nvSpPr>
+        <p:spPr>
+          <a:xfrm>
+            <a:off x="4860032" y="1607889"/>
+            <a:ext cx="4572000" cy="3693319"/>
+          </a:xfrm>
+          <a:prstGeom prst="rect">
+            <a:avLst/>
+          </a:prstGeom>
+        </p:spPr>
+        <p:txBody>
+          <a:bodyPr wrap="square">
+            <a:spAutoFit/>
+          </a:bodyPr>
+          <a:lstStyle/>
+          <a:p>
+            <a:r>
+              <a:rPr lang="en-IN" dirty="0" err="1" smtClean="0"/>
+              <a:t>FirstLoop</a:t>
+            </a:r>
+            <a:r>
+              <a:rPr lang="en-IN" dirty="0" smtClean="0"/>
+              <a:t>:  </a:t>
+            </a:r>
+          </a:p>
+          <a:p>
+            <a:r>
+              <a:rPr lang="en-IN" dirty="0" smtClean="0"/>
+              <a:t>        for(</a:t>
+            </a:r>
+            <a:r>
+              <a:rPr lang="en-IN" u="sng" dirty="0" err="1" smtClean="0"/>
+              <a:t>int</a:t>
+            </a:r>
+            <a:r>
+              <a:rPr lang="en-IN" u="sng" dirty="0" smtClean="0"/>
+              <a:t> </a:t>
+            </a:r>
+            <a:r>
+              <a:rPr lang="en-IN" u="sng" dirty="0" err="1" smtClean="0"/>
+              <a:t>i</a:t>
+            </a:r>
+            <a:r>
+              <a:rPr lang="en-IN" u="sng" dirty="0" smtClean="0"/>
+              <a:t>=1;i&lt;=3;i++){  </a:t>
+            </a:r>
+          </a:p>
+          <a:p>
+            <a:r>
+              <a:rPr lang="en-IN" dirty="0" smtClean="0"/>
+              <a:t>        </a:t>
+            </a:r>
+          </a:p>
+          <a:p>
+            <a:r>
+              <a:rPr lang="en-IN" dirty="0" smtClean="0"/>
+              <a:t>            </a:t>
+            </a:r>
+            <a:r>
+              <a:rPr lang="en-IN" dirty="0" err="1" smtClean="0"/>
+              <a:t>SecondLoop</a:t>
+            </a:r>
+            <a:r>
+              <a:rPr lang="en-IN" dirty="0" smtClean="0"/>
+              <a:t>:  </a:t>
+            </a:r>
+          </a:p>
+          <a:p>
+            <a:r>
+              <a:rPr lang="en-IN" dirty="0" smtClean="0"/>
+              <a:t>                for(</a:t>
+            </a:r>
+            <a:r>
+              <a:rPr lang="en-IN" u="sng" dirty="0" err="1" smtClean="0"/>
+              <a:t>int</a:t>
+            </a:r>
+            <a:r>
+              <a:rPr lang="en-IN" u="sng" dirty="0" smtClean="0"/>
+              <a:t> j=1;j&lt;=3;j++){ </a:t>
+            </a:r>
+          </a:p>
+          <a:p>
+            <a:r>
+              <a:rPr lang="en-IN" dirty="0" smtClean="0"/>
+              <a:t>                </a:t>
+            </a:r>
+          </a:p>
+          <a:p>
+            <a:r>
+              <a:rPr lang="en-IN" dirty="0" smtClean="0"/>
+              <a:t>                   if(</a:t>
+            </a:r>
+            <a:r>
+              <a:rPr lang="en-IN" dirty="0" err="1" smtClean="0"/>
+              <a:t>i</a:t>
+            </a:r>
+            <a:r>
+              <a:rPr lang="en-IN" dirty="0" smtClean="0"/>
+              <a:t>==2&amp;</a:t>
+            </a:r>
+            <a:r>
+              <a:rPr lang="en-IN" u="sng" dirty="0" smtClean="0"/>
+              <a:t>&amp;j==2){  </a:t>
+            </a:r>
+          </a:p>
+          <a:p>
+            <a:r>
+              <a:rPr lang="en-IN" dirty="0" smtClean="0"/>
+              <a:t>                        break </a:t>
+            </a:r>
+            <a:r>
+              <a:rPr lang="en-IN" dirty="0" err="1" smtClean="0"/>
+              <a:t>FirstLoop</a:t>
+            </a:r>
+            <a:r>
+              <a:rPr lang="en-IN" dirty="0" smtClean="0"/>
+              <a:t>;  </a:t>
+            </a:r>
+          </a:p>
+          <a:p>
+            <a:r>
+              <a:rPr lang="en-IN" dirty="0" smtClean="0"/>
+              <a:t>                    }</a:t>
+            </a:r>
+          </a:p>
+          <a:p>
+            <a:r>
+              <a:rPr lang="en-IN" dirty="0" smtClean="0"/>
+              <a:t>                   </a:t>
+            </a:r>
+          </a:p>
+          <a:p>
+            <a:r>
+              <a:rPr lang="en-IN" dirty="0" smtClean="0"/>
+              <a:t>                    </a:t>
+            </a:r>
+            <a:r>
+              <a:rPr lang="en-IN" dirty="0" err="1" smtClean="0"/>
+              <a:t>System.out.println</a:t>
+            </a:r>
+            <a:r>
+              <a:rPr lang="en-IN" dirty="0" smtClean="0"/>
+              <a:t>(</a:t>
+            </a:r>
+            <a:r>
+              <a:rPr lang="en-IN" dirty="0" err="1" smtClean="0"/>
+              <a:t>i</a:t>
+            </a:r>
+            <a:r>
+              <a:rPr lang="en-IN" dirty="0" smtClean="0"/>
+              <a:t>+" "+j);  </a:t>
+            </a:r>
+          </a:p>
+          <a:p>
+            <a:r>
+              <a:rPr lang="en-IN" dirty="0" smtClean="0"/>
+              <a:t>                }  </a:t>
+            </a:r>
+          </a:p>
+          <a:p>
+            <a:r>
+              <a:rPr lang="en-IN" dirty="0" smtClean="0"/>
+              <a:t>        } </a:t>
+            </a:r>
+            <a:endParaRPr lang="en-IN" dirty="0"/>
           </a:p>
         </p:txBody>
       </p:sp>
@@ -11355,38 +11484,426 @@
       </p:grpSpPr>
       <p:sp>
         <p:nvSpPr>
-          <p:cNvPr id="2" name="Rectangle 1"/>
-          <p:cNvSpPr/>
-          <p:nvPr/>
+          <p:cNvPr id="2" name="Title 1"/>
+          <p:cNvSpPr>
+            <a:spLocks noGrp="1"/>
+          </p:cNvSpPr>
+          <p:nvPr>
+            <p:ph type="title"/>
+          </p:nvPr>
+        </p:nvSpPr>
+        <p:spPr/>
+        <p:txBody>
+          <a:bodyPr/>
+          <a:lstStyle/>
+          <a:p>
+            <a:r>
+              <a:rPr lang="en-IN" dirty="0" smtClean="0"/>
+              <a:t>For Each Loop</a:t>
+            </a:r>
+            <a:endParaRPr lang="en-IN" dirty="0"/>
+          </a:p>
+        </p:txBody>
+      </p:sp>
+      <p:sp>
+        <p:nvSpPr>
+          <p:cNvPr id="3" name="Content Placeholder 2"/>
+          <p:cNvSpPr>
+            <a:spLocks noGrp="1"/>
+          </p:cNvSpPr>
+          <p:nvPr>
+            <p:ph idx="1"/>
+          </p:nvPr>
         </p:nvSpPr>
         <p:spPr>
           <a:xfrm>
-            <a:off x="683568" y="612845"/>
-            <a:ext cx="7200800" cy="1200329"/>
+            <a:off x="467544" y="1196752"/>
+            <a:ext cx="3682752" cy="5184576"/>
+          </a:xfrm>
+        </p:spPr>
+        <p:txBody>
+          <a:bodyPr>
+            <a:normAutofit/>
+          </a:bodyPr>
+          <a:lstStyle/>
+          <a:p>
+            <a:r>
+              <a:rPr lang="en-IN" sz="2400" dirty="0" smtClean="0"/>
+              <a:t>The for-each loop is used to traverse array or collection in java. It is easier to use than simple for loop because we don't need to increment value and use subscript notation.</a:t>
+            </a:r>
+          </a:p>
+          <a:p>
+            <a:r>
+              <a:rPr lang="en-IN" sz="2400" dirty="0" smtClean="0"/>
+              <a:t>It works on elements basis not index. It returns element one by one in the defined variable.</a:t>
+            </a:r>
+            <a:endParaRPr lang="en-IN" sz="2400" dirty="0"/>
+          </a:p>
+        </p:txBody>
+      </p:sp>
+      <p:sp>
+        <p:nvSpPr>
+          <p:cNvPr id="4" name="Content Placeholder 2"/>
+          <p:cNvSpPr txBox="1">
+            <a:spLocks/>
+          </p:cNvSpPr>
+          <p:nvPr/>
+        </p:nvSpPr>
+        <p:spPr>
+          <a:xfrm>
+            <a:off x="4705672" y="1268760"/>
+            <a:ext cx="3682752" cy="5184576"/>
           </a:xfrm>
           <a:prstGeom prst="rect">
             <a:avLst/>
           </a:prstGeom>
         </p:spPr>
         <p:txBody>
+          <a:bodyPr vert="horz" lIns="91440" tIns="45720" rIns="91440" bIns="45720" rtlCol="0">
+            <a:normAutofit/>
+          </a:bodyPr>
+          <a:lstStyle/>
+          <a:p>
+            <a:endParaRPr lang="en-IN" sz="2000" b="1" u="sng" dirty="0" smtClean="0"/>
+          </a:p>
+          <a:p>
+            <a:r>
+              <a:rPr lang="en-IN" sz="2000" b="1" u="sng" dirty="0" err="1" smtClean="0"/>
+              <a:t>int</a:t>
+            </a:r>
+            <a:r>
+              <a:rPr lang="en-IN" sz="2000" b="1" u="sng" dirty="0" smtClean="0"/>
+              <a:t> </a:t>
+            </a:r>
+            <a:r>
+              <a:rPr lang="en-IN" sz="2000" b="1" u="sng" dirty="0" smtClean="0"/>
+              <a:t>a[] = {1,2,4,5,6,7,8}; </a:t>
+            </a:r>
+          </a:p>
+          <a:p>
+            <a:endParaRPr lang="en-IN" sz="2000" b="1" dirty="0" smtClean="0"/>
+          </a:p>
+          <a:p>
+            <a:r>
+              <a:rPr lang="en-IN" sz="2000" b="1" dirty="0" smtClean="0"/>
+              <a:t>for(</a:t>
+            </a:r>
+            <a:r>
+              <a:rPr lang="en-IN" sz="2000" b="1" u="sng" dirty="0" err="1" smtClean="0"/>
+              <a:t>int</a:t>
+            </a:r>
+            <a:r>
+              <a:rPr lang="en-IN" sz="2000" b="1" u="sng" dirty="0" smtClean="0"/>
+              <a:t> i:a){</a:t>
+            </a:r>
+          </a:p>
+          <a:p>
+            <a:r>
+              <a:rPr lang="en-IN" sz="2000" b="1" dirty="0" smtClean="0"/>
+              <a:t>	</a:t>
+            </a:r>
+            <a:r>
+              <a:rPr lang="en-IN" sz="2000" b="1" dirty="0" err="1" smtClean="0"/>
+              <a:t>System.out.println</a:t>
+            </a:r>
+            <a:r>
+              <a:rPr lang="en-IN" sz="2000" b="1" dirty="0" smtClean="0"/>
+              <a:t>(</a:t>
+            </a:r>
+            <a:r>
+              <a:rPr lang="en-IN" sz="2000" b="1" dirty="0" err="1" smtClean="0"/>
+              <a:t>i</a:t>
+            </a:r>
+            <a:r>
+              <a:rPr lang="en-IN" sz="2000" b="1" dirty="0" smtClean="0"/>
+              <a:t>);</a:t>
+            </a:r>
+          </a:p>
+          <a:p>
+            <a:r>
+              <a:rPr lang="en-IN" sz="2000" b="1" dirty="0" smtClean="0"/>
+              <a:t>}</a:t>
+            </a:r>
+          </a:p>
+          <a:p>
+            <a:endParaRPr kumimoji="0" lang="en-IN" sz="2000" b="0" i="0" u="none" strike="noStrike" kern="1200" cap="none" spc="0" normalizeH="0" baseline="0" noProof="0" dirty="0" smtClean="0">
+              <a:ln>
+                <a:noFill/>
+              </a:ln>
+              <a:solidFill>
+                <a:schemeClr val="tx1"/>
+              </a:solidFill>
+              <a:effectLst/>
+              <a:uLnTx/>
+              <a:uFillTx/>
+              <a:latin typeface="+mn-lt"/>
+              <a:ea typeface="+mn-ea"/>
+              <a:cs typeface="+mn-cs"/>
+            </a:endParaRPr>
+          </a:p>
+          <a:p>
+            <a:endParaRPr kumimoji="0" lang="en-IN" sz="2000" b="0" i="0" u="none" strike="noStrike" kern="1200" cap="none" spc="0" normalizeH="0" baseline="0" noProof="0" dirty="0">
+              <a:ln>
+                <a:noFill/>
+              </a:ln>
+              <a:solidFill>
+                <a:schemeClr val="tx1"/>
+              </a:solidFill>
+              <a:effectLst/>
+              <a:uLnTx/>
+              <a:uFillTx/>
+              <a:latin typeface="+mn-lt"/>
+              <a:ea typeface="+mn-ea"/>
+              <a:cs typeface="+mn-cs"/>
+            </a:endParaRPr>
+          </a:p>
+        </p:txBody>
+      </p:sp>
+    </p:spTree>
+  </p:cSld>
+  <p:clrMapOvr>
+    <a:masterClrMapping/>
+  </p:clrMapOvr>
+</p:sld>
+</file>
+
+<file path=ppt/slides/slide39.xml><?xml version="1.0" encoding="utf-8"?>
+<p:sld xmlns:a="http://schemas.openxmlformats.org/drawingml/2006/main" xmlns:r="http://schemas.openxmlformats.org/officeDocument/2006/relationships" xmlns:p="http://schemas.openxmlformats.org/presentationml/2006/main">
+  <p:cSld>
+    <p:spTree>
+      <p:nvGrpSpPr>
+        <p:cNvPr id="1" name=""/>
+        <p:cNvGrpSpPr/>
+        <p:nvPr/>
+      </p:nvGrpSpPr>
+      <p:grpSpPr>
+        <a:xfrm>
+          <a:off x="0" y="0"/>
+          <a:ext cx="0" cy="0"/>
+          <a:chOff x="0" y="0"/>
+          <a:chExt cx="0" cy="0"/>
+        </a:xfrm>
+      </p:grpSpPr>
+      <p:sp>
+        <p:nvSpPr>
+          <p:cNvPr id="2" name="Title 1"/>
+          <p:cNvSpPr>
+            <a:spLocks noGrp="1"/>
+          </p:cNvSpPr>
+          <p:nvPr>
+            <p:ph type="title"/>
+          </p:nvPr>
+        </p:nvSpPr>
+        <p:spPr/>
+        <p:txBody>
+          <a:bodyPr/>
+          <a:lstStyle/>
+          <a:p>
+            <a:r>
+              <a:rPr lang="en-IN" dirty="0" smtClean="0"/>
+              <a:t>Do While Loop</a:t>
+            </a:r>
+            <a:endParaRPr lang="en-IN" dirty="0"/>
+          </a:p>
+        </p:txBody>
+      </p:sp>
+      <p:sp>
+        <p:nvSpPr>
+          <p:cNvPr id="3" name="Content Placeholder 2"/>
+          <p:cNvSpPr>
+            <a:spLocks noGrp="1"/>
+          </p:cNvSpPr>
+          <p:nvPr>
+            <p:ph idx="1"/>
+          </p:nvPr>
+        </p:nvSpPr>
+        <p:spPr>
+          <a:xfrm>
+            <a:off x="457200" y="1600200"/>
+            <a:ext cx="4618856" cy="4525963"/>
+          </a:xfrm>
+        </p:spPr>
+        <p:txBody>
+          <a:bodyPr>
+            <a:normAutofit/>
+          </a:bodyPr>
+          <a:lstStyle/>
+          <a:p>
+            <a:r>
+              <a:rPr lang="en-IN" sz="2400" dirty="0" smtClean="0"/>
+              <a:t> </a:t>
+            </a:r>
+            <a:r>
+              <a:rPr lang="en-IN" sz="2400" b="1" dirty="0" smtClean="0"/>
+              <a:t>do-while </a:t>
+            </a:r>
+            <a:r>
+              <a:rPr lang="en-IN" sz="2400" dirty="0" smtClean="0"/>
+              <a:t>loop</a:t>
+            </a:r>
+            <a:r>
+              <a:rPr lang="en-IN" sz="2400" dirty="0" smtClean="0"/>
+              <a:t> is used to iterate a </a:t>
+            </a:r>
+            <a:r>
+              <a:rPr lang="en-IN" sz="2400" dirty="0" smtClean="0"/>
+              <a:t>set of statements several </a:t>
+            </a:r>
+            <a:r>
+              <a:rPr lang="en-IN" sz="2400" dirty="0" smtClean="0"/>
+              <a:t>times. If the </a:t>
+            </a:r>
+            <a:r>
+              <a:rPr lang="en-IN" sz="2400" dirty="0" smtClean="0"/>
+              <a:t>you have to execute the loop at least once and want to  continue the iteration till it satisfies some condition, </a:t>
+            </a:r>
+            <a:r>
+              <a:rPr lang="en-IN" sz="2400" dirty="0" smtClean="0"/>
+              <a:t>it is recommended to use do-while </a:t>
+            </a:r>
+            <a:r>
+              <a:rPr lang="en-IN" sz="2400" dirty="0" smtClean="0"/>
+              <a:t>loop. </a:t>
+            </a:r>
+            <a:r>
+              <a:rPr lang="en-IN" sz="2400" b="1" dirty="0" smtClean="0"/>
+              <a:t>do-while</a:t>
+            </a:r>
+            <a:r>
+              <a:rPr lang="en-IN" sz="2400" i="1" dirty="0" smtClean="0"/>
+              <a:t> </a:t>
+            </a:r>
+            <a:r>
+              <a:rPr lang="en-IN" sz="2400" dirty="0" smtClean="0"/>
+              <a:t>loop is executed at least once because condition is checked after loop body</a:t>
+            </a:r>
+          </a:p>
+          <a:p>
+            <a:endParaRPr lang="en-IN" dirty="0"/>
+          </a:p>
+        </p:txBody>
+      </p:sp>
+      <p:sp>
+        <p:nvSpPr>
+          <p:cNvPr id="4" name="Content Placeholder 2"/>
+          <p:cNvSpPr txBox="1">
+            <a:spLocks/>
+          </p:cNvSpPr>
+          <p:nvPr/>
+        </p:nvSpPr>
+        <p:spPr>
+          <a:xfrm>
+            <a:off x="4849688" y="1628800"/>
+            <a:ext cx="4114800" cy="4525963"/>
+          </a:xfrm>
+          <a:prstGeom prst="rect">
+            <a:avLst/>
+          </a:prstGeom>
+        </p:spPr>
+        <p:txBody>
+          <a:bodyPr vert="horz" lIns="91440" tIns="45720" rIns="91440" bIns="45720" rtlCol="0">
+            <a:normAutofit/>
+          </a:bodyPr>
+          <a:lstStyle/>
+          <a:p>
+            <a:pPr marL="342900" marR="0" lvl="0" indent="-342900" algn="l" defTabSz="914400" rtl="0" eaLnBrk="1" fontAlgn="auto" latinLnBrk="0" hangingPunct="1">
+              <a:lnSpc>
+                <a:spcPct val="100000"/>
+              </a:lnSpc>
+              <a:spcBef>
+                <a:spcPct val="20000"/>
+              </a:spcBef>
+              <a:spcAft>
+                <a:spcPts val="0"/>
+              </a:spcAft>
+              <a:buClrTx/>
+              <a:buSzTx/>
+              <a:buFont typeface="Arial" pitchFamily="34" charset="0"/>
+              <a:buChar char="•"/>
+              <a:tabLst/>
+              <a:defRPr/>
+            </a:pPr>
+            <a:endParaRPr kumimoji="0" lang="en-IN" sz="3200" b="0" i="0" u="none" strike="noStrike" kern="1200" cap="none" spc="0" normalizeH="0" baseline="0" noProof="0" dirty="0">
+              <a:ln>
+                <a:noFill/>
+              </a:ln>
+              <a:solidFill>
+                <a:schemeClr val="tx1"/>
+              </a:solidFill>
+              <a:effectLst/>
+              <a:uLnTx/>
+              <a:uFillTx/>
+              <a:latin typeface="+mn-lt"/>
+              <a:ea typeface="+mn-ea"/>
+              <a:cs typeface="+mn-cs"/>
+            </a:endParaRPr>
+          </a:p>
+        </p:txBody>
+      </p:sp>
+      <p:sp>
+        <p:nvSpPr>
+          <p:cNvPr id="5" name="Rectangle 4"/>
+          <p:cNvSpPr/>
+          <p:nvPr/>
+        </p:nvSpPr>
+        <p:spPr>
+          <a:xfrm>
+            <a:off x="5220072" y="1628800"/>
+            <a:ext cx="4572000" cy="2677656"/>
+          </a:xfrm>
+          <a:prstGeom prst="rect">
+            <a:avLst/>
+          </a:prstGeom>
+        </p:spPr>
+        <p:txBody>
           <a:bodyPr wrap="square">
             <a:spAutoFit/>
           </a:bodyPr>
           <a:lstStyle/>
           <a:p>
-            <a:pPr fontAlgn="base"/>
-            <a:r>
-              <a:rPr lang="en-IN" b="1" dirty="0" smtClean="0"/>
-              <a:t>Class</a:t>
-            </a:r>
-            <a:endParaRPr lang="en-IN" dirty="0" smtClean="0"/>
-          </a:p>
-          <a:p>
-            <a:pPr fontAlgn="base"/>
-            <a:r>
-              <a:rPr lang="en-IN" dirty="0" smtClean="0"/>
-              <a:t>A class is a user defined blueprint or prototype from which objects are created.  It represents the set of properties or methods that are common to all objects of one type. </a:t>
-            </a:r>
+            <a:r>
+              <a:rPr lang="nn-NO" sz="2800" b="1" dirty="0" smtClean="0"/>
+              <a:t>    int i=1;  </a:t>
+            </a:r>
+          </a:p>
+          <a:p>
+            <a:r>
+              <a:rPr lang="nn-NO" sz="2800" b="1" dirty="0" smtClean="0"/>
+              <a:t>    do{  </a:t>
+            </a:r>
+          </a:p>
+          <a:p>
+            <a:r>
+              <a:rPr lang="nn-NO" sz="2800" b="1" dirty="0" smtClean="0"/>
+              <a:t>        System.out.println(i);  </a:t>
+            </a:r>
+          </a:p>
+          <a:p>
+            <a:r>
+              <a:rPr lang="nn-NO" sz="2800" b="1" dirty="0" smtClean="0"/>
+              <a:t>     </a:t>
+            </a:r>
+            <a:r>
+              <a:rPr lang="nn-NO" sz="2800" b="1" dirty="0" smtClean="0"/>
+              <a:t>   i</a:t>
+            </a:r>
+            <a:r>
+              <a:rPr lang="nn-NO" sz="2800" b="1" dirty="0" smtClean="0"/>
+              <a:t>++;  </a:t>
+            </a:r>
+          </a:p>
+          <a:p>
+            <a:r>
+              <a:rPr lang="nn-NO" sz="2800" b="1" dirty="0" smtClean="0"/>
+              <a:t>    }while(i&lt;=10);  </a:t>
+            </a:r>
+          </a:p>
+          <a:p>
+            <a:r>
+              <a:rPr lang="nn-NO" sz="2800" b="1" dirty="0" smtClean="0"/>
+              <a:t>}</a:t>
+            </a:r>
+            <a:endParaRPr lang="nn-NO" sz="2800" b="1" dirty="0"/>
           </a:p>
         </p:txBody>
       </p:sp>
@@ -11493,6 +12010,1241 @@
       </p:par>
     </p:tnLst>
   </p:timing>
+</p:sld>
+</file>
+
+<file path=ppt/slides/slide40.xml><?xml version="1.0" encoding="utf-8"?>
+<p:sld xmlns:a="http://schemas.openxmlformats.org/drawingml/2006/main" xmlns:r="http://schemas.openxmlformats.org/officeDocument/2006/relationships" xmlns:p="http://schemas.openxmlformats.org/presentationml/2006/main">
+  <p:cSld>
+    <p:spTree>
+      <p:nvGrpSpPr>
+        <p:cNvPr id="1" name=""/>
+        <p:cNvGrpSpPr/>
+        <p:nvPr/>
+      </p:nvGrpSpPr>
+      <p:grpSpPr>
+        <a:xfrm>
+          <a:off x="0" y="0"/>
+          <a:ext cx="0" cy="0"/>
+          <a:chOff x="0" y="0"/>
+          <a:chExt cx="0" cy="0"/>
+        </a:xfrm>
+      </p:grpSpPr>
+      <p:sp>
+        <p:nvSpPr>
+          <p:cNvPr id="2" name="Title 1"/>
+          <p:cNvSpPr>
+            <a:spLocks noGrp="1"/>
+          </p:cNvSpPr>
+          <p:nvPr>
+            <p:ph type="title"/>
+          </p:nvPr>
+        </p:nvSpPr>
+        <p:spPr/>
+        <p:txBody>
+          <a:bodyPr>
+            <a:normAutofit/>
+          </a:bodyPr>
+          <a:lstStyle/>
+          <a:p>
+            <a:r>
+              <a:rPr lang="en-IN" dirty="0" smtClean="0"/>
+              <a:t>While Loop</a:t>
+            </a:r>
+            <a:endParaRPr lang="en-IN" dirty="0"/>
+          </a:p>
+        </p:txBody>
+      </p:sp>
+      <p:sp>
+        <p:nvSpPr>
+          <p:cNvPr id="3" name="Content Placeholder 2"/>
+          <p:cNvSpPr>
+            <a:spLocks noGrp="1"/>
+          </p:cNvSpPr>
+          <p:nvPr>
+            <p:ph idx="1"/>
+          </p:nvPr>
+        </p:nvSpPr>
+        <p:spPr>
+          <a:xfrm>
+            <a:off x="457200" y="1600200"/>
+            <a:ext cx="3322712" cy="4525963"/>
+          </a:xfrm>
+        </p:spPr>
+        <p:txBody>
+          <a:bodyPr>
+            <a:normAutofit/>
+          </a:bodyPr>
+          <a:lstStyle/>
+          <a:p>
+            <a:r>
+              <a:rPr lang="en-IN" sz="2400" b="1" dirty="0" smtClean="0"/>
+              <a:t>while </a:t>
+            </a:r>
+            <a:r>
+              <a:rPr lang="en-IN" sz="2400" b="1" dirty="0" smtClean="0"/>
+              <a:t>loop</a:t>
+            </a:r>
+            <a:r>
+              <a:rPr lang="en-IN" sz="2400" dirty="0" smtClean="0"/>
+              <a:t>  is used to iterate a </a:t>
+            </a:r>
+            <a:r>
+              <a:rPr lang="en-IN" sz="2400" dirty="0" smtClean="0"/>
+              <a:t>set of statements several </a:t>
+            </a:r>
+            <a:r>
+              <a:rPr lang="en-IN" sz="2400" dirty="0" smtClean="0"/>
+              <a:t>times. If the number of iteration is not fixed, it is recommended to use while loop.</a:t>
+            </a:r>
+            <a:endParaRPr lang="en-IN" sz="2400" dirty="0"/>
+          </a:p>
+        </p:txBody>
+      </p:sp>
+      <p:sp>
+        <p:nvSpPr>
+          <p:cNvPr id="4" name="Content Placeholder 2"/>
+          <p:cNvSpPr txBox="1">
+            <a:spLocks/>
+          </p:cNvSpPr>
+          <p:nvPr/>
+        </p:nvSpPr>
+        <p:spPr>
+          <a:xfrm>
+            <a:off x="4849688" y="1556792"/>
+            <a:ext cx="3322712" cy="4525963"/>
+          </a:xfrm>
+          <a:prstGeom prst="rect">
+            <a:avLst/>
+          </a:prstGeom>
+        </p:spPr>
+        <p:txBody>
+          <a:bodyPr vert="horz" lIns="91440" tIns="45720" rIns="91440" bIns="45720" rtlCol="0">
+            <a:normAutofit/>
+          </a:bodyPr>
+          <a:lstStyle/>
+          <a:p>
+            <a:r>
+              <a:rPr lang="nn-NO" sz="2400" b="1" dirty="0" smtClean="0"/>
+              <a:t>   int i=1;  </a:t>
+            </a:r>
+          </a:p>
+          <a:p>
+            <a:r>
+              <a:rPr lang="nn-NO" sz="2400" b="1" dirty="0" smtClean="0"/>
+              <a:t>    while(i&lt;=10){  </a:t>
+            </a:r>
+          </a:p>
+          <a:p>
+            <a:r>
+              <a:rPr lang="nn-NO" sz="2400" b="1" dirty="0" smtClean="0"/>
+              <a:t>      </a:t>
+            </a:r>
+            <a:r>
+              <a:rPr lang="nn-NO" sz="2400" b="1" dirty="0" smtClean="0"/>
+              <a:t>System.out.println(i);</a:t>
+            </a:r>
+            <a:endParaRPr lang="nn-NO" sz="2400" b="1" dirty="0" smtClean="0"/>
+          </a:p>
+          <a:p>
+            <a:r>
+              <a:rPr lang="nn-NO" sz="2400" b="1" dirty="0" smtClean="0"/>
+              <a:t>    </a:t>
+            </a:r>
+            <a:r>
+              <a:rPr lang="nn-NO" sz="2400" b="1" dirty="0" smtClean="0"/>
+              <a:t>	i=i+1;</a:t>
+            </a:r>
+            <a:r>
+              <a:rPr lang="nn-NO" sz="2400" b="1" dirty="0" smtClean="0"/>
+              <a:t>  </a:t>
+            </a:r>
+          </a:p>
+          <a:p>
+            <a:r>
+              <a:rPr lang="nn-NO" sz="2400" b="1" dirty="0" smtClean="0"/>
+              <a:t>    } </a:t>
+            </a:r>
+          </a:p>
+          <a:p>
+            <a:pPr marL="342900" marR="0" lvl="0" indent="-342900" algn="l" defTabSz="914400" rtl="0" eaLnBrk="1" fontAlgn="auto" latinLnBrk="0" hangingPunct="1">
+              <a:lnSpc>
+                <a:spcPct val="100000"/>
+              </a:lnSpc>
+              <a:spcBef>
+                <a:spcPct val="20000"/>
+              </a:spcBef>
+              <a:spcAft>
+                <a:spcPts val="0"/>
+              </a:spcAft>
+              <a:buClrTx/>
+              <a:buSzTx/>
+              <a:tabLst/>
+              <a:defRPr/>
+            </a:pPr>
+            <a:endParaRPr kumimoji="0" lang="en-IN" sz="2400" b="1" i="0" u="none" strike="noStrike" kern="1200" cap="none" spc="0" normalizeH="0" baseline="0" noProof="0" dirty="0">
+              <a:ln>
+                <a:noFill/>
+              </a:ln>
+              <a:solidFill>
+                <a:schemeClr val="tx1"/>
+              </a:solidFill>
+              <a:effectLst/>
+              <a:uLnTx/>
+              <a:uFillTx/>
+              <a:latin typeface="+mn-lt"/>
+              <a:ea typeface="+mn-ea"/>
+              <a:cs typeface="+mn-cs"/>
+            </a:endParaRPr>
+          </a:p>
+        </p:txBody>
+      </p:sp>
+    </p:spTree>
+  </p:cSld>
+  <p:clrMapOvr>
+    <a:masterClrMapping/>
+  </p:clrMapOvr>
+</p:sld>
+</file>
+
+<file path=ppt/slides/slide41.xml><?xml version="1.0" encoding="utf-8"?>
+<p:sld xmlns:a="http://schemas.openxmlformats.org/drawingml/2006/main" xmlns:r="http://schemas.openxmlformats.org/officeDocument/2006/relationships" xmlns:p="http://schemas.openxmlformats.org/presentationml/2006/main">
+  <p:cSld>
+    <p:spTree>
+      <p:nvGrpSpPr>
+        <p:cNvPr id="1" name=""/>
+        <p:cNvGrpSpPr/>
+        <p:nvPr/>
+      </p:nvGrpSpPr>
+      <p:grpSpPr>
+        <a:xfrm>
+          <a:off x="0" y="0"/>
+          <a:ext cx="0" cy="0"/>
+          <a:chOff x="0" y="0"/>
+          <a:chExt cx="0" cy="0"/>
+        </a:xfrm>
+      </p:grpSpPr>
+      <p:sp>
+        <p:nvSpPr>
+          <p:cNvPr id="2" name="Title 1"/>
+          <p:cNvSpPr>
+            <a:spLocks noGrp="1"/>
+          </p:cNvSpPr>
+          <p:nvPr>
+            <p:ph type="ctrTitle"/>
+          </p:nvPr>
+        </p:nvSpPr>
+        <p:spPr>
+          <a:xfrm>
+            <a:off x="539552" y="332656"/>
+            <a:ext cx="7772400" cy="1470025"/>
+          </a:xfrm>
+        </p:spPr>
+        <p:txBody>
+          <a:bodyPr/>
+          <a:lstStyle/>
+          <a:p>
+            <a:r>
+              <a:rPr lang="en-IN" dirty="0" smtClean="0"/>
+              <a:t>String </a:t>
+            </a:r>
+            <a:endParaRPr lang="en-IN" dirty="0"/>
+          </a:p>
+        </p:txBody>
+      </p:sp>
+      <p:sp>
+        <p:nvSpPr>
+          <p:cNvPr id="3" name="Subtitle 2"/>
+          <p:cNvSpPr>
+            <a:spLocks noGrp="1"/>
+          </p:cNvSpPr>
+          <p:nvPr>
+            <p:ph type="subTitle" idx="1"/>
+          </p:nvPr>
+        </p:nvSpPr>
+        <p:spPr>
+          <a:xfrm>
+            <a:off x="251520" y="1700808"/>
+            <a:ext cx="8640960" cy="2880320"/>
+          </a:xfrm>
+        </p:spPr>
+        <p:txBody>
+          <a:bodyPr>
+            <a:normAutofit fontScale="92500" lnSpcReduction="10000"/>
+          </a:bodyPr>
+          <a:lstStyle/>
+          <a:p>
+            <a:pPr algn="l">
+              <a:buFont typeface="Arial" pitchFamily="34" charset="0"/>
+              <a:buChar char="•"/>
+            </a:pPr>
+            <a:r>
+              <a:rPr lang="en-IN" dirty="0" smtClean="0">
+                <a:solidFill>
+                  <a:schemeClr val="tx1"/>
+                </a:solidFill>
+              </a:rPr>
+              <a:t> </a:t>
+            </a:r>
+            <a:r>
+              <a:rPr lang="en-IN" sz="3300" dirty="0" smtClean="0">
+                <a:solidFill>
+                  <a:schemeClr val="tx1"/>
+                </a:solidFill>
+              </a:rPr>
+              <a:t>String is basically an object that represents sequence of char values. String class </a:t>
+            </a:r>
+            <a:r>
+              <a:rPr lang="en-IN" sz="3300" dirty="0" err="1" smtClean="0">
+                <a:solidFill>
+                  <a:schemeClr val="tx1"/>
+                </a:solidFill>
+              </a:rPr>
+              <a:t>class</a:t>
+            </a:r>
+            <a:r>
+              <a:rPr lang="en-IN" sz="3300" dirty="0" smtClean="0">
+                <a:solidFill>
+                  <a:schemeClr val="tx1"/>
+                </a:solidFill>
+              </a:rPr>
+              <a:t> provides a lot of methods to perform operations on string such as </a:t>
+            </a:r>
+            <a:r>
+              <a:rPr lang="en-IN" sz="3300" dirty="0" smtClean="0">
+                <a:solidFill>
+                  <a:schemeClr val="tx1"/>
+                </a:solidFill>
+              </a:rPr>
+              <a:t>split</a:t>
+            </a:r>
+            <a:r>
+              <a:rPr lang="en-IN" sz="3300" dirty="0" smtClean="0">
+                <a:solidFill>
+                  <a:schemeClr val="tx1"/>
+                </a:solidFill>
+              </a:rPr>
+              <a:t>(), length(), </a:t>
+            </a:r>
+            <a:r>
+              <a:rPr lang="en-IN" sz="3300" dirty="0" smtClean="0">
+                <a:solidFill>
+                  <a:schemeClr val="tx1"/>
+                </a:solidFill>
+              </a:rPr>
+              <a:t>substring()..etc</a:t>
+            </a:r>
+            <a:r>
+              <a:rPr lang="en-IN" sz="3300" dirty="0" smtClean="0">
+                <a:solidFill>
+                  <a:schemeClr val="tx1"/>
+                </a:solidFill>
+              </a:rPr>
+              <a:t> </a:t>
+            </a:r>
+          </a:p>
+          <a:p>
+            <a:pPr algn="l"/>
+            <a:r>
+              <a:rPr lang="en-IN" dirty="0" smtClean="0"/>
+              <a:t/>
+            </a:r>
+            <a:br>
+              <a:rPr lang="en-IN" dirty="0" smtClean="0"/>
+            </a:br>
+            <a:endParaRPr lang="en-IN" dirty="0"/>
+          </a:p>
+        </p:txBody>
+      </p:sp>
+      <p:sp>
+        <p:nvSpPr>
+          <p:cNvPr id="4" name="Subtitle 2"/>
+          <p:cNvSpPr txBox="1">
+            <a:spLocks/>
+          </p:cNvSpPr>
+          <p:nvPr/>
+        </p:nvSpPr>
+        <p:spPr>
+          <a:xfrm>
+            <a:off x="251520" y="3573016"/>
+            <a:ext cx="8640960" cy="4680520"/>
+          </a:xfrm>
+          <a:prstGeom prst="rect">
+            <a:avLst/>
+          </a:prstGeom>
+        </p:spPr>
+        <p:txBody>
+          <a:bodyPr vert="horz" lIns="91440" tIns="45720" rIns="91440" bIns="45720" rtlCol="0">
+            <a:normAutofit/>
+          </a:bodyPr>
+          <a:lstStyle/>
+          <a:p>
+            <a:pPr marL="0" marR="0" lvl="0" indent="0" algn="l" defTabSz="914400" rtl="0" eaLnBrk="1" fontAlgn="auto" latinLnBrk="0" hangingPunct="1">
+              <a:lnSpc>
+                <a:spcPct val="100000"/>
+              </a:lnSpc>
+              <a:spcBef>
+                <a:spcPct val="20000"/>
+              </a:spcBef>
+              <a:spcAft>
+                <a:spcPts val="0"/>
+              </a:spcAft>
+              <a:buClrTx/>
+              <a:buSzTx/>
+              <a:tabLst/>
+              <a:defRPr/>
+            </a:pPr>
+            <a:endParaRPr lang="en-IN" sz="3200" dirty="0" smtClean="0"/>
+          </a:p>
+          <a:p>
+            <a:pPr marL="0" marR="0" lvl="0" indent="0" algn="l" defTabSz="914400" rtl="0" eaLnBrk="1" fontAlgn="auto" latinLnBrk="0" hangingPunct="1">
+              <a:lnSpc>
+                <a:spcPct val="100000"/>
+              </a:lnSpc>
+              <a:spcBef>
+                <a:spcPct val="20000"/>
+              </a:spcBef>
+              <a:spcAft>
+                <a:spcPts val="0"/>
+              </a:spcAft>
+              <a:buClrTx/>
+              <a:buSzTx/>
+              <a:tabLst/>
+              <a:defRPr/>
+            </a:pPr>
+            <a:r>
+              <a:rPr kumimoji="0" lang="en-IN" sz="3200" b="0" i="0" u="none" strike="noStrike" kern="1200" cap="none" spc="0" normalizeH="0" baseline="0" noProof="0" dirty="0" smtClean="0">
+                <a:ln>
+                  <a:noFill/>
+                </a:ln>
+                <a:solidFill>
+                  <a:schemeClr val="tx1"/>
+                </a:solidFill>
+                <a:effectLst/>
+                <a:uLnTx/>
+                <a:uFillTx/>
+                <a:latin typeface="+mn-lt"/>
+                <a:ea typeface="+mn-ea"/>
+                <a:cs typeface="+mn-cs"/>
+              </a:rPr>
+              <a:t>String</a:t>
+            </a:r>
+            <a:r>
+              <a:rPr kumimoji="0" lang="en-IN" sz="3200" b="0" i="0" u="none" strike="noStrike" kern="1200" cap="none" spc="0" normalizeH="0" noProof="0" dirty="0" smtClean="0">
+                <a:ln>
+                  <a:noFill/>
+                </a:ln>
+                <a:solidFill>
+                  <a:schemeClr val="tx1"/>
+                </a:solidFill>
+                <a:effectLst/>
+                <a:uLnTx/>
+                <a:uFillTx/>
+                <a:latin typeface="+mn-lt"/>
+                <a:ea typeface="+mn-ea"/>
+                <a:cs typeface="+mn-cs"/>
+              </a:rPr>
+              <a:t> </a:t>
+            </a:r>
+            <a:r>
+              <a:rPr kumimoji="0" lang="en-IN" sz="3200" b="0" i="0" u="none" strike="noStrike" kern="1200" cap="none" spc="0" normalizeH="0" noProof="0" dirty="0" err="1" smtClean="0">
+                <a:ln>
+                  <a:noFill/>
+                </a:ln>
+                <a:solidFill>
+                  <a:schemeClr val="tx1"/>
+                </a:solidFill>
+                <a:effectLst/>
+                <a:uLnTx/>
+                <a:uFillTx/>
+                <a:latin typeface="+mn-lt"/>
+                <a:ea typeface="+mn-ea"/>
+                <a:cs typeface="+mn-cs"/>
+              </a:rPr>
+              <a:t>str</a:t>
+            </a:r>
+            <a:r>
+              <a:rPr kumimoji="0" lang="en-IN" sz="3200" b="0" i="0" u="none" strike="noStrike" kern="1200" cap="none" spc="0" normalizeH="0" noProof="0" dirty="0" smtClean="0">
+                <a:ln>
+                  <a:noFill/>
+                </a:ln>
+                <a:solidFill>
+                  <a:schemeClr val="tx1"/>
+                </a:solidFill>
+                <a:effectLst/>
+                <a:uLnTx/>
+                <a:uFillTx/>
+                <a:latin typeface="+mn-lt"/>
+                <a:ea typeface="+mn-ea"/>
+                <a:cs typeface="+mn-cs"/>
+              </a:rPr>
+              <a:t> = “JAVA”;</a:t>
+            </a:r>
+          </a:p>
+          <a:p>
+            <a:pPr marL="0" marR="0" lvl="0" indent="0" algn="l" defTabSz="914400" rtl="0" eaLnBrk="1" fontAlgn="auto" latinLnBrk="0" hangingPunct="1">
+              <a:lnSpc>
+                <a:spcPct val="100000"/>
+              </a:lnSpc>
+              <a:spcBef>
+                <a:spcPct val="20000"/>
+              </a:spcBef>
+              <a:spcAft>
+                <a:spcPts val="0"/>
+              </a:spcAft>
+              <a:buClrTx/>
+              <a:buSzTx/>
+              <a:tabLst/>
+              <a:defRPr/>
+            </a:pPr>
+            <a:r>
+              <a:rPr kumimoji="0" lang="en-IN" sz="3300" b="0" i="0" u="none" strike="noStrike" kern="1200" cap="none" spc="0" normalizeH="0" baseline="0" noProof="0" dirty="0" smtClean="0">
+                <a:ln>
+                  <a:noFill/>
+                </a:ln>
+                <a:solidFill>
+                  <a:schemeClr val="tx1"/>
+                </a:solidFill>
+                <a:effectLst/>
+                <a:uLnTx/>
+                <a:uFillTx/>
+                <a:latin typeface="+mn-lt"/>
+                <a:ea typeface="+mn-ea"/>
+                <a:cs typeface="+mn-cs"/>
+              </a:rPr>
+              <a:t> </a:t>
+            </a:r>
+            <a:r>
+              <a:rPr lang="en-IN" sz="3300" dirty="0" err="1" smtClean="0"/>
+              <a:t>system.out.println</a:t>
+            </a:r>
+            <a:r>
+              <a:rPr kumimoji="0" lang="en-IN" sz="3300" b="0" i="0" u="none" strike="noStrike" kern="1200" cap="none" spc="0" normalizeH="0" baseline="0" noProof="0" dirty="0" smtClean="0">
+                <a:ln>
+                  <a:noFill/>
+                </a:ln>
+                <a:solidFill>
+                  <a:schemeClr val="tx1"/>
+                </a:solidFill>
+                <a:effectLst/>
+                <a:uLnTx/>
+                <a:uFillTx/>
+                <a:latin typeface="+mn-lt"/>
+                <a:ea typeface="+mn-ea"/>
+                <a:cs typeface="+mn-cs"/>
+              </a:rPr>
+              <a:t>(</a:t>
+            </a:r>
+            <a:r>
+              <a:rPr kumimoji="0" lang="en-IN" sz="3300" b="0" i="0" u="none" strike="noStrike" kern="1200" cap="none" spc="0" normalizeH="0" baseline="0" noProof="0" dirty="0" err="1" smtClean="0">
+                <a:ln>
+                  <a:noFill/>
+                </a:ln>
+                <a:solidFill>
+                  <a:schemeClr val="tx1"/>
+                </a:solidFill>
+                <a:effectLst/>
+                <a:uLnTx/>
+                <a:uFillTx/>
+                <a:latin typeface="+mn-lt"/>
+                <a:ea typeface="+mn-ea"/>
+                <a:cs typeface="+mn-cs"/>
+              </a:rPr>
+              <a:t>str</a:t>
+            </a:r>
+            <a:r>
+              <a:rPr lang="en-IN" sz="3300" dirty="0" smtClean="0"/>
+              <a:t>.length());</a:t>
+            </a:r>
+            <a:r>
+              <a:rPr kumimoji="0" lang="en-IN" sz="3200" b="0" i="0" u="none" strike="noStrike" kern="1200" cap="none" spc="0" normalizeH="0" baseline="0" noProof="0" dirty="0" smtClean="0">
+                <a:ln>
+                  <a:noFill/>
+                </a:ln>
+                <a:solidFill>
+                  <a:schemeClr val="tx1">
+                    <a:tint val="75000"/>
+                  </a:schemeClr>
+                </a:solidFill>
+                <a:effectLst/>
+                <a:uLnTx/>
+                <a:uFillTx/>
+                <a:latin typeface="+mn-lt"/>
+                <a:ea typeface="+mn-ea"/>
+                <a:cs typeface="+mn-cs"/>
+              </a:rPr>
+              <a:t/>
+            </a:r>
+            <a:br>
+              <a:rPr kumimoji="0" lang="en-IN" sz="3200" b="0" i="0" u="none" strike="noStrike" kern="1200" cap="none" spc="0" normalizeH="0" baseline="0" noProof="0" dirty="0" smtClean="0">
+                <a:ln>
+                  <a:noFill/>
+                </a:ln>
+                <a:solidFill>
+                  <a:schemeClr val="tx1">
+                    <a:tint val="75000"/>
+                  </a:schemeClr>
+                </a:solidFill>
+                <a:effectLst/>
+                <a:uLnTx/>
+                <a:uFillTx/>
+                <a:latin typeface="+mn-lt"/>
+                <a:ea typeface="+mn-ea"/>
+                <a:cs typeface="+mn-cs"/>
+              </a:rPr>
+            </a:br>
+            <a:r>
+              <a:rPr kumimoji="0" lang="en-IN" sz="3200" b="0" i="0" u="none" strike="noStrike" kern="1200" cap="none" spc="0" normalizeH="0" baseline="0" noProof="0" dirty="0" err="1" smtClean="0">
+                <a:ln>
+                  <a:noFill/>
+                </a:ln>
+                <a:solidFill>
+                  <a:schemeClr val="tx1">
+                    <a:tint val="75000"/>
+                  </a:schemeClr>
+                </a:solidFill>
+                <a:effectLst/>
+                <a:uLnTx/>
+                <a:uFillTx/>
+                <a:latin typeface="+mn-lt"/>
+                <a:ea typeface="+mn-ea"/>
+                <a:cs typeface="+mn-cs"/>
+              </a:rPr>
+              <a:t>OutPut</a:t>
+            </a:r>
+            <a:r>
+              <a:rPr kumimoji="0" lang="en-IN" sz="3200" b="0" i="0" u="none" strike="noStrike" kern="1200" cap="none" spc="0" normalizeH="0" baseline="0" noProof="0" dirty="0" smtClean="0">
+                <a:ln>
+                  <a:noFill/>
+                </a:ln>
+                <a:solidFill>
+                  <a:schemeClr val="tx1">
+                    <a:tint val="75000"/>
+                  </a:schemeClr>
+                </a:solidFill>
+                <a:effectLst/>
+                <a:uLnTx/>
+                <a:uFillTx/>
+                <a:latin typeface="+mn-lt"/>
+                <a:ea typeface="+mn-ea"/>
+                <a:cs typeface="+mn-cs"/>
+              </a:rPr>
+              <a:t>:</a:t>
+            </a:r>
+          </a:p>
+          <a:p>
+            <a:pPr marL="0" marR="0" lvl="0" indent="0" algn="l" defTabSz="914400" rtl="0" eaLnBrk="1" fontAlgn="auto" latinLnBrk="0" hangingPunct="1">
+              <a:lnSpc>
+                <a:spcPct val="100000"/>
+              </a:lnSpc>
+              <a:spcBef>
+                <a:spcPct val="20000"/>
+              </a:spcBef>
+              <a:spcAft>
+                <a:spcPts val="0"/>
+              </a:spcAft>
+              <a:buClrTx/>
+              <a:buSzTx/>
+              <a:tabLst/>
+              <a:defRPr/>
+            </a:pPr>
+            <a:r>
+              <a:rPr lang="en-IN" sz="3200" dirty="0" smtClean="0">
+                <a:solidFill>
+                  <a:schemeClr val="tx1">
+                    <a:tint val="75000"/>
+                  </a:schemeClr>
+                </a:solidFill>
+              </a:rPr>
+              <a:t>JAVA</a:t>
+            </a:r>
+            <a:endParaRPr kumimoji="0" lang="en-IN" sz="3200" b="0" i="0" u="none" strike="noStrike" kern="1200" cap="none" spc="0" normalizeH="0" baseline="0" noProof="0" dirty="0">
+              <a:ln>
+                <a:noFill/>
+              </a:ln>
+              <a:solidFill>
+                <a:schemeClr val="tx1">
+                  <a:tint val="75000"/>
+                </a:schemeClr>
+              </a:solidFill>
+              <a:effectLst/>
+              <a:uLnTx/>
+              <a:uFillTx/>
+              <a:latin typeface="+mn-lt"/>
+              <a:ea typeface="+mn-ea"/>
+              <a:cs typeface="+mn-cs"/>
+            </a:endParaRPr>
+          </a:p>
+        </p:txBody>
+      </p:sp>
+    </p:spTree>
+  </p:cSld>
+  <p:clrMapOvr>
+    <a:masterClrMapping/>
+  </p:clrMapOvr>
+</p:sld>
+</file>
+
+<file path=ppt/slides/slide42.xml><?xml version="1.0" encoding="utf-8"?>
+<p:sld xmlns:a="http://schemas.openxmlformats.org/drawingml/2006/main" xmlns:r="http://schemas.openxmlformats.org/officeDocument/2006/relationships" xmlns:p="http://schemas.openxmlformats.org/presentationml/2006/main">
+  <p:cSld>
+    <p:spTree>
+      <p:nvGrpSpPr>
+        <p:cNvPr id="1" name=""/>
+        <p:cNvGrpSpPr/>
+        <p:nvPr/>
+      </p:nvGrpSpPr>
+      <p:grpSpPr>
+        <a:xfrm>
+          <a:off x="0" y="0"/>
+          <a:ext cx="0" cy="0"/>
+          <a:chOff x="0" y="0"/>
+          <a:chExt cx="0" cy="0"/>
+        </a:xfrm>
+      </p:grpSpPr>
+      <p:sp>
+        <p:nvSpPr>
+          <p:cNvPr id="2" name="Title 1"/>
+          <p:cNvSpPr>
+            <a:spLocks noGrp="1"/>
+          </p:cNvSpPr>
+          <p:nvPr>
+            <p:ph type="title"/>
+          </p:nvPr>
+        </p:nvSpPr>
+        <p:spPr/>
+        <p:txBody>
+          <a:bodyPr/>
+          <a:lstStyle/>
+          <a:p>
+            <a:r>
+              <a:rPr lang="en-IN" dirty="0" smtClean="0"/>
+              <a:t>String Methods</a:t>
+            </a:r>
+            <a:endParaRPr lang="en-IN" dirty="0"/>
+          </a:p>
+        </p:txBody>
+      </p:sp>
+      <p:sp>
+        <p:nvSpPr>
+          <p:cNvPr id="3" name="Content Placeholder 2"/>
+          <p:cNvSpPr>
+            <a:spLocks noGrp="1"/>
+          </p:cNvSpPr>
+          <p:nvPr>
+            <p:ph idx="1"/>
+          </p:nvPr>
+        </p:nvSpPr>
+        <p:spPr>
+          <a:xfrm>
+            <a:off x="395536" y="1628800"/>
+            <a:ext cx="8229600" cy="4525963"/>
+          </a:xfrm>
+        </p:spPr>
+        <p:txBody>
+          <a:bodyPr>
+            <a:normAutofit/>
+          </a:bodyPr>
+          <a:lstStyle/>
+          <a:p>
+            <a:r>
+              <a:rPr lang="en-IN" sz="2400" dirty="0" smtClean="0"/>
+              <a:t>Here are the list of the methods available in the Java String class. These methods are explained in the separate tutorials with the help of examples. Links to the tutorials are provided below:</a:t>
+            </a:r>
+          </a:p>
+          <a:p>
+            <a:r>
+              <a:rPr lang="en-IN" sz="2400" b="1" dirty="0" err="1" smtClean="0">
+                <a:hlinkClick r:id="rId2"/>
+              </a:rPr>
+              <a:t>int</a:t>
+            </a:r>
+            <a:r>
+              <a:rPr lang="en-IN" sz="2400" b="1" dirty="0" smtClean="0">
+                <a:hlinkClick r:id="rId2"/>
+              </a:rPr>
+              <a:t> </a:t>
+            </a:r>
+            <a:r>
+              <a:rPr lang="en-IN" sz="2400" b="1" dirty="0" smtClean="0">
+                <a:hlinkClick r:id="rId2"/>
+              </a:rPr>
+              <a:t>length()</a:t>
+            </a:r>
+            <a:r>
+              <a:rPr lang="en-IN" sz="2400" dirty="0" smtClean="0"/>
+              <a:t>: It returns the length of a String</a:t>
+            </a:r>
+            <a:r>
+              <a:rPr lang="en-IN" sz="2400" dirty="0" smtClean="0"/>
+              <a:t>.</a:t>
+            </a:r>
+          </a:p>
+          <a:p>
+            <a:r>
+              <a:rPr lang="en-IN" sz="2400" b="1" dirty="0" smtClean="0">
+                <a:hlinkClick r:id="rId3"/>
+              </a:rPr>
+              <a:t>String </a:t>
+            </a:r>
+            <a:r>
+              <a:rPr lang="en-IN" sz="2400" b="1" dirty="0" smtClean="0">
+                <a:hlinkClick r:id="rId3"/>
+              </a:rPr>
+              <a:t>substring(</a:t>
+            </a:r>
+            <a:r>
+              <a:rPr lang="en-IN" sz="2400" b="1" dirty="0" err="1" smtClean="0">
+                <a:hlinkClick r:id="rId3"/>
+              </a:rPr>
+              <a:t>int</a:t>
+            </a:r>
+            <a:r>
+              <a:rPr lang="en-IN" sz="2400" b="1" dirty="0" smtClean="0">
+                <a:hlinkClick r:id="rId3"/>
+              </a:rPr>
+              <a:t> </a:t>
+            </a:r>
+            <a:r>
+              <a:rPr lang="en-IN" sz="2400" b="1" dirty="0" err="1" smtClean="0">
+                <a:hlinkClick r:id="rId3"/>
+              </a:rPr>
+              <a:t>beginIndex</a:t>
+            </a:r>
+            <a:r>
+              <a:rPr lang="en-IN" sz="2400" b="1" dirty="0" smtClean="0">
+                <a:hlinkClick r:id="rId3"/>
+              </a:rPr>
+              <a:t>)</a:t>
+            </a:r>
+            <a:r>
+              <a:rPr lang="en-IN" sz="2400" dirty="0" smtClean="0"/>
+              <a:t>: It returns the substring of the string. The substring starts with the character at the specified index.</a:t>
+            </a:r>
+          </a:p>
+          <a:p>
+            <a:r>
+              <a:rPr lang="en-IN" sz="2400" b="1" dirty="0" smtClean="0">
+                <a:hlinkClick r:id="rId3"/>
+              </a:rPr>
+              <a:t>String substring(</a:t>
+            </a:r>
+            <a:r>
+              <a:rPr lang="en-IN" sz="2400" b="1" dirty="0" err="1" smtClean="0">
+                <a:hlinkClick r:id="rId3"/>
+              </a:rPr>
+              <a:t>int</a:t>
+            </a:r>
+            <a:r>
+              <a:rPr lang="en-IN" sz="2400" b="1" dirty="0" smtClean="0">
+                <a:hlinkClick r:id="rId3"/>
+              </a:rPr>
+              <a:t> </a:t>
+            </a:r>
+            <a:r>
+              <a:rPr lang="en-IN" sz="2400" b="1" dirty="0" err="1" smtClean="0">
+                <a:hlinkClick r:id="rId3"/>
+              </a:rPr>
+              <a:t>beginIndex</a:t>
+            </a:r>
+            <a:r>
+              <a:rPr lang="en-IN" sz="2400" b="1" dirty="0" smtClean="0">
+                <a:hlinkClick r:id="rId3"/>
+              </a:rPr>
+              <a:t>, </a:t>
+            </a:r>
+            <a:r>
+              <a:rPr lang="en-IN" sz="2400" b="1" dirty="0" err="1" smtClean="0">
+                <a:hlinkClick r:id="rId3"/>
+              </a:rPr>
+              <a:t>int</a:t>
+            </a:r>
+            <a:r>
+              <a:rPr lang="en-IN" sz="2400" b="1" dirty="0" smtClean="0">
+                <a:hlinkClick r:id="rId3"/>
+              </a:rPr>
+              <a:t> </a:t>
+            </a:r>
+            <a:r>
+              <a:rPr lang="en-IN" sz="2400" b="1" dirty="0" err="1" smtClean="0">
+                <a:hlinkClick r:id="rId3"/>
+              </a:rPr>
+              <a:t>endIndex</a:t>
+            </a:r>
+            <a:r>
+              <a:rPr lang="en-IN" sz="2400" b="1" dirty="0" smtClean="0">
+                <a:hlinkClick r:id="rId3"/>
+              </a:rPr>
+              <a:t>)</a:t>
+            </a:r>
+            <a:r>
+              <a:rPr lang="en-IN" sz="2400" dirty="0" smtClean="0"/>
+              <a:t>: Returns the substring. The substring starts with character at </a:t>
+            </a:r>
+            <a:r>
+              <a:rPr lang="en-IN" sz="2400" dirty="0" err="1" smtClean="0"/>
+              <a:t>beginIndex</a:t>
+            </a:r>
+            <a:r>
+              <a:rPr lang="en-IN" sz="2400" dirty="0" smtClean="0"/>
+              <a:t> and ends with the character at </a:t>
+            </a:r>
+            <a:r>
+              <a:rPr lang="en-IN" sz="2400" dirty="0" err="1" smtClean="0"/>
+              <a:t>endIndex</a:t>
+            </a:r>
+            <a:r>
+              <a:rPr lang="en-IN" sz="2400" dirty="0" smtClean="0"/>
+              <a:t>.</a:t>
+            </a:r>
+          </a:p>
+          <a:p>
+            <a:endParaRPr lang="en-IN" dirty="0"/>
+          </a:p>
+        </p:txBody>
+      </p:sp>
+    </p:spTree>
+  </p:cSld>
+  <p:clrMapOvr>
+    <a:masterClrMapping/>
+  </p:clrMapOvr>
+</p:sld>
+</file>
+
+<file path=ppt/slides/slide43.xml><?xml version="1.0" encoding="utf-8"?>
+<p:sld xmlns:a="http://schemas.openxmlformats.org/drawingml/2006/main" xmlns:r="http://schemas.openxmlformats.org/officeDocument/2006/relationships" xmlns:p="http://schemas.openxmlformats.org/presentationml/2006/main">
+  <p:cSld>
+    <p:spTree>
+      <p:nvGrpSpPr>
+        <p:cNvPr id="1" name=""/>
+        <p:cNvGrpSpPr/>
+        <p:nvPr/>
+      </p:nvGrpSpPr>
+      <p:grpSpPr>
+        <a:xfrm>
+          <a:off x="0" y="0"/>
+          <a:ext cx="0" cy="0"/>
+          <a:chOff x="0" y="0"/>
+          <a:chExt cx="0" cy="0"/>
+        </a:xfrm>
+      </p:grpSpPr>
+      <p:sp>
+        <p:nvSpPr>
+          <p:cNvPr id="2" name="Content Placeholder 2"/>
+          <p:cNvSpPr txBox="1">
+            <a:spLocks/>
+          </p:cNvSpPr>
+          <p:nvPr/>
+        </p:nvSpPr>
+        <p:spPr>
+          <a:xfrm>
+            <a:off x="395536" y="188640"/>
+            <a:ext cx="8229600" cy="5966123"/>
+          </a:xfrm>
+          <a:prstGeom prst="rect">
+            <a:avLst/>
+          </a:prstGeom>
+        </p:spPr>
+        <p:txBody>
+          <a:bodyPr>
+            <a:normAutofit/>
+          </a:bodyPr>
+          <a:lstStyle/>
+          <a:p>
+            <a:pPr marL="342900" marR="0" lvl="0" indent="-342900" algn="l" defTabSz="914400" rtl="0" eaLnBrk="1" fontAlgn="auto" latinLnBrk="0" hangingPunct="1">
+              <a:lnSpc>
+                <a:spcPct val="100000"/>
+              </a:lnSpc>
+              <a:spcBef>
+                <a:spcPct val="20000"/>
+              </a:spcBef>
+              <a:spcAft>
+                <a:spcPts val="0"/>
+              </a:spcAft>
+              <a:buClrTx/>
+              <a:buSzTx/>
+              <a:buFont typeface="Arial" pitchFamily="34" charset="0"/>
+              <a:buChar char="•"/>
+              <a:tabLst/>
+              <a:defRPr/>
+            </a:pPr>
+            <a:endParaRPr kumimoji="0" lang="en-IN" sz="3200" b="0" i="0" u="none" strike="noStrike" kern="1200" cap="none" spc="0" normalizeH="0" baseline="0" noProof="0" dirty="0">
+              <a:ln>
+                <a:noFill/>
+              </a:ln>
+              <a:solidFill>
+                <a:schemeClr val="tx1"/>
+              </a:solidFill>
+              <a:effectLst/>
+              <a:uLnTx/>
+              <a:uFillTx/>
+              <a:latin typeface="+mn-lt"/>
+              <a:ea typeface="+mn-ea"/>
+              <a:cs typeface="+mn-cs"/>
+            </a:endParaRPr>
+          </a:p>
+        </p:txBody>
+      </p:sp>
+      <p:sp>
+        <p:nvSpPr>
+          <p:cNvPr id="3" name="Content Placeholder 2"/>
+          <p:cNvSpPr txBox="1">
+            <a:spLocks/>
+          </p:cNvSpPr>
+          <p:nvPr/>
+        </p:nvSpPr>
+        <p:spPr>
+          <a:xfrm>
+            <a:off x="395536" y="908720"/>
+            <a:ext cx="8229600" cy="5246043"/>
+          </a:xfrm>
+          <a:prstGeom prst="rect">
+            <a:avLst/>
+          </a:prstGeom>
+        </p:spPr>
+        <p:txBody>
+          <a:bodyPr>
+            <a:normAutofit/>
+          </a:bodyPr>
+          <a:lstStyle/>
+          <a:p>
+            <a:pPr marL="342900" marR="0" lvl="0" indent="-342900" algn="l" defTabSz="914400" rtl="0" eaLnBrk="1" fontAlgn="auto" latinLnBrk="0" hangingPunct="1">
+              <a:lnSpc>
+                <a:spcPct val="100000"/>
+              </a:lnSpc>
+              <a:spcBef>
+                <a:spcPct val="20000"/>
+              </a:spcBef>
+              <a:spcAft>
+                <a:spcPts val="0"/>
+              </a:spcAft>
+              <a:buClrTx/>
+              <a:buSzTx/>
+              <a:buFont typeface="Arial" pitchFamily="34" charset="0"/>
+              <a:buChar char="•"/>
+              <a:tabLst/>
+              <a:defRPr/>
+            </a:pPr>
+            <a:r>
+              <a:rPr kumimoji="0" lang="en-IN" sz="2400" b="0" i="0" u="none" strike="noStrike" kern="1200" cap="none" spc="0" normalizeH="0" baseline="0" noProof="0" smtClean="0">
+                <a:ln>
+                  <a:noFill/>
+                </a:ln>
+                <a:solidFill>
+                  <a:schemeClr val="tx1"/>
+                </a:solidFill>
+                <a:effectLst/>
+                <a:uLnTx/>
+                <a:uFillTx/>
+                <a:latin typeface="+mn-lt"/>
+                <a:ea typeface="+mn-ea"/>
+                <a:cs typeface="+mn-cs"/>
+              </a:rPr>
+              <a:t>Here are the list of the methods available in the Java String class. These methods are explained in the separate tutorials with the help of examples. Links to the tutorials are provided below:</a:t>
+            </a:r>
+          </a:p>
+          <a:p>
+            <a:pPr marL="342900" marR="0" lvl="0" indent="-342900" algn="l" defTabSz="914400" rtl="0" eaLnBrk="1" fontAlgn="auto" latinLnBrk="0" hangingPunct="1">
+              <a:lnSpc>
+                <a:spcPct val="100000"/>
+              </a:lnSpc>
+              <a:spcBef>
+                <a:spcPct val="20000"/>
+              </a:spcBef>
+              <a:spcAft>
+                <a:spcPts val="0"/>
+              </a:spcAft>
+              <a:buClrTx/>
+              <a:buSzTx/>
+              <a:buFont typeface="Arial" pitchFamily="34" charset="0"/>
+              <a:buChar char="•"/>
+              <a:tabLst/>
+              <a:defRPr/>
+            </a:pPr>
+            <a:r>
+              <a:rPr kumimoji="0" lang="en-IN" sz="2400" b="1" i="0" u="none" strike="noStrike" kern="1200" cap="none" spc="0" normalizeH="0" baseline="0" noProof="0" smtClean="0">
+                <a:ln>
+                  <a:noFill/>
+                </a:ln>
+                <a:solidFill>
+                  <a:schemeClr val="tx1"/>
+                </a:solidFill>
+                <a:effectLst/>
+                <a:uLnTx/>
+                <a:uFillTx/>
+                <a:latin typeface="+mn-lt"/>
+                <a:ea typeface="+mn-ea"/>
+                <a:cs typeface="+mn-cs"/>
+                <a:hlinkClick r:id="rId2"/>
+              </a:rPr>
+              <a:t>int length()</a:t>
+            </a:r>
+            <a:r>
+              <a:rPr kumimoji="0" lang="en-IN" sz="2400" b="0" i="0" u="none" strike="noStrike" kern="1200" cap="none" spc="0" normalizeH="0" baseline="0" noProof="0" smtClean="0">
+                <a:ln>
+                  <a:noFill/>
+                </a:ln>
+                <a:solidFill>
+                  <a:schemeClr val="tx1"/>
+                </a:solidFill>
+                <a:effectLst/>
+                <a:uLnTx/>
+                <a:uFillTx/>
+                <a:latin typeface="+mn-lt"/>
+                <a:ea typeface="+mn-ea"/>
+                <a:cs typeface="+mn-cs"/>
+              </a:rPr>
+              <a:t>: It returns the length of a String.</a:t>
+            </a:r>
+          </a:p>
+          <a:p>
+            <a:pPr marL="342900" marR="0" lvl="0" indent="-342900" algn="l" defTabSz="914400" rtl="0" eaLnBrk="1" fontAlgn="auto" latinLnBrk="0" hangingPunct="1">
+              <a:lnSpc>
+                <a:spcPct val="100000"/>
+              </a:lnSpc>
+              <a:spcBef>
+                <a:spcPct val="20000"/>
+              </a:spcBef>
+              <a:spcAft>
+                <a:spcPts val="0"/>
+              </a:spcAft>
+              <a:buClrTx/>
+              <a:buSzTx/>
+              <a:buFont typeface="Arial" pitchFamily="34" charset="0"/>
+              <a:buChar char="•"/>
+              <a:tabLst/>
+              <a:defRPr/>
+            </a:pPr>
+            <a:r>
+              <a:rPr kumimoji="0" lang="en-IN" sz="2400" b="1" i="0" u="none" strike="noStrike" kern="1200" cap="none" spc="0" normalizeH="0" baseline="0" noProof="0" smtClean="0">
+                <a:ln>
+                  <a:noFill/>
+                </a:ln>
+                <a:solidFill>
+                  <a:schemeClr val="tx1"/>
+                </a:solidFill>
+                <a:effectLst/>
+                <a:uLnTx/>
+                <a:uFillTx/>
+                <a:latin typeface="+mn-lt"/>
+                <a:ea typeface="+mn-ea"/>
+                <a:cs typeface="+mn-cs"/>
+                <a:hlinkClick r:id="rId3"/>
+              </a:rPr>
+              <a:t>String substring(int beginIndex)</a:t>
+            </a:r>
+            <a:r>
+              <a:rPr kumimoji="0" lang="en-IN" sz="2400" b="0" i="0" u="none" strike="noStrike" kern="1200" cap="none" spc="0" normalizeH="0" baseline="0" noProof="0" smtClean="0">
+                <a:ln>
+                  <a:noFill/>
+                </a:ln>
+                <a:solidFill>
+                  <a:schemeClr val="tx1"/>
+                </a:solidFill>
+                <a:effectLst/>
+                <a:uLnTx/>
+                <a:uFillTx/>
+                <a:latin typeface="+mn-lt"/>
+                <a:ea typeface="+mn-ea"/>
+                <a:cs typeface="+mn-cs"/>
+              </a:rPr>
+              <a:t>: It returns the substring of the string. The substring starts with the character at the specified index.</a:t>
+            </a:r>
+          </a:p>
+          <a:p>
+            <a:pPr marL="342900" marR="0" lvl="0" indent="-342900" algn="l" defTabSz="914400" rtl="0" eaLnBrk="1" fontAlgn="auto" latinLnBrk="0" hangingPunct="1">
+              <a:lnSpc>
+                <a:spcPct val="100000"/>
+              </a:lnSpc>
+              <a:spcBef>
+                <a:spcPct val="20000"/>
+              </a:spcBef>
+              <a:spcAft>
+                <a:spcPts val="0"/>
+              </a:spcAft>
+              <a:buClrTx/>
+              <a:buSzTx/>
+              <a:buFont typeface="Arial" pitchFamily="34" charset="0"/>
+              <a:buChar char="•"/>
+              <a:tabLst/>
+              <a:defRPr/>
+            </a:pPr>
+            <a:r>
+              <a:rPr kumimoji="0" lang="en-IN" sz="2400" b="1" i="0" u="none" strike="noStrike" kern="1200" cap="none" spc="0" normalizeH="0" baseline="0" noProof="0" smtClean="0">
+                <a:ln>
+                  <a:noFill/>
+                </a:ln>
+                <a:solidFill>
+                  <a:schemeClr val="tx1"/>
+                </a:solidFill>
+                <a:effectLst/>
+                <a:uLnTx/>
+                <a:uFillTx/>
+                <a:latin typeface="+mn-lt"/>
+                <a:ea typeface="+mn-ea"/>
+                <a:cs typeface="+mn-cs"/>
+                <a:hlinkClick r:id="rId3"/>
+              </a:rPr>
+              <a:t>String substring(int beginIndex, int endIndex)</a:t>
+            </a:r>
+            <a:r>
+              <a:rPr kumimoji="0" lang="en-IN" sz="2400" b="0" i="0" u="none" strike="noStrike" kern="1200" cap="none" spc="0" normalizeH="0" baseline="0" noProof="0" smtClean="0">
+                <a:ln>
+                  <a:noFill/>
+                </a:ln>
+                <a:solidFill>
+                  <a:schemeClr val="tx1"/>
+                </a:solidFill>
+                <a:effectLst/>
+                <a:uLnTx/>
+                <a:uFillTx/>
+                <a:latin typeface="+mn-lt"/>
+                <a:ea typeface="+mn-ea"/>
+                <a:cs typeface="+mn-cs"/>
+              </a:rPr>
+              <a:t>: Returns the substring. The substring starts with character at beginIndex and ends with the character at endIndex.</a:t>
+            </a:r>
+          </a:p>
+          <a:p>
+            <a:pPr marL="342900" marR="0" lvl="0" indent="-342900" algn="l" defTabSz="914400" rtl="0" eaLnBrk="1" fontAlgn="auto" latinLnBrk="0" hangingPunct="1">
+              <a:lnSpc>
+                <a:spcPct val="100000"/>
+              </a:lnSpc>
+              <a:spcBef>
+                <a:spcPct val="20000"/>
+              </a:spcBef>
+              <a:spcAft>
+                <a:spcPts val="0"/>
+              </a:spcAft>
+              <a:buClrTx/>
+              <a:buSzTx/>
+              <a:buFont typeface="Arial" pitchFamily="34" charset="0"/>
+              <a:buChar char="•"/>
+              <a:tabLst/>
+              <a:defRPr/>
+            </a:pPr>
+            <a:endParaRPr kumimoji="0" lang="en-IN" sz="3200" b="0" i="0" u="none" strike="noStrike" kern="1200" cap="none" spc="0" normalizeH="0" baseline="0" noProof="0" dirty="0">
+              <a:ln>
+                <a:noFill/>
+              </a:ln>
+              <a:solidFill>
+                <a:schemeClr val="tx1"/>
+              </a:solidFill>
+              <a:effectLst/>
+              <a:uLnTx/>
+              <a:uFillTx/>
+              <a:latin typeface="+mn-lt"/>
+              <a:ea typeface="+mn-ea"/>
+              <a:cs typeface="+mn-cs"/>
+            </a:endParaRPr>
+          </a:p>
+        </p:txBody>
+      </p:sp>
+    </p:spTree>
+  </p:cSld>
+  <p:clrMapOvr>
+    <a:masterClrMapping/>
+  </p:clrMapOvr>
 </p:sld>
 </file>
 
